--- a/Problem najkraćeg puta, ant colony optimization.pptx
+++ b/Problem najkraćeg puta, ant colony optimization.pptx
@@ -286,7 +286,7 @@
           <a:p>
             <a:fld id="{1160EA64-D806-43AC-9DF2-F8C432F32B4C}" type="datetimeFigureOut">
               <a:rPr lang="en-US" dirty="0"/>
-              <a:t>1/13/2024</a:t>
+              <a:t>1/15/2024</a:t>
             </a:fld>
             <a:endParaRPr lang="en-US" dirty="0"/>
           </a:p>
@@ -452,7 +452,7 @@
           <a:p>
             <a:fld id="{E9F9C37B-1D36-470B-8223-D6C91242EC14}" type="datetimeFigureOut">
               <a:rPr lang="en-US" dirty="0"/>
-              <a:t>1/13/2024</a:t>
+              <a:t>1/15/2024</a:t>
             </a:fld>
             <a:endParaRPr lang="en-US" dirty="0"/>
           </a:p>
@@ -627,7 +627,7 @@
           <a:p>
             <a:fld id="{67C6F52A-A82B-47A2-A83A-8C4C91F2D59F}" type="datetimeFigureOut">
               <a:rPr lang="en-US" dirty="0"/>
-              <a:t>1/13/2024</a:t>
+              <a:t>1/15/2024</a:t>
             </a:fld>
             <a:endParaRPr lang="en-US" dirty="0"/>
           </a:p>
@@ -792,7 +792,7 @@
           <a:p>
             <a:fld id="{F070A7B3-6521-4DCA-87E5-044747A908C1}" type="datetimeFigureOut">
               <a:rPr lang="en-US" dirty="0"/>
-              <a:t>1/13/2024</a:t>
+              <a:t>1/15/2024</a:t>
             </a:fld>
             <a:endParaRPr lang="en-US" dirty="0"/>
           </a:p>
@@ -1056,7 +1056,7 @@
           <a:p>
             <a:fld id="{1160EA64-D806-43AC-9DF2-F8C432F32B4C}" type="datetimeFigureOut">
               <a:rPr lang="en-US" dirty="0"/>
-              <a:t>1/13/2024</a:t>
+              <a:t>1/15/2024</a:t>
             </a:fld>
             <a:endParaRPr lang="en-US" dirty="0"/>
           </a:p>
@@ -1284,7 +1284,7 @@
           <a:p>
             <a:fld id="{AB134690-1557-4C89-A502-4959FE7FAD70}" type="datetimeFigureOut">
               <a:rPr lang="en-US" dirty="0"/>
-              <a:t>1/13/2024</a:t>
+              <a:t>1/15/2024</a:t>
             </a:fld>
             <a:endParaRPr lang="en-US" dirty="0"/>
           </a:p>
@@ -1638,7 +1638,7 @@
           <a:p>
             <a:fld id="{4F7D4976-E339-4826-83B7-FBD03F55ECF8}" type="datetimeFigureOut">
               <a:rPr lang="en-US" dirty="0"/>
-              <a:t>1/13/2024</a:t>
+              <a:t>1/15/2024</a:t>
             </a:fld>
             <a:endParaRPr lang="en-US" dirty="0"/>
           </a:p>
@@ -1774,7 +1774,7 @@
           <a:p>
             <a:fld id="{E1037C31-9E7A-4F99-8774-A0E530DE1A42}" type="datetimeFigureOut">
               <a:rPr lang="en-US" dirty="0"/>
-              <a:t>1/13/2024</a:t>
+              <a:t>1/15/2024</a:t>
             </a:fld>
             <a:endParaRPr lang="en-US" dirty="0"/>
           </a:p>
@@ -1864,7 +1864,7 @@
           <a:p>
             <a:fld id="{C278504F-A551-4DE0-9316-4DCD1D8CC752}" type="datetimeFigureOut">
               <a:rPr lang="en-US" dirty="0"/>
-              <a:t>1/13/2024</a:t>
+              <a:t>1/15/2024</a:t>
             </a:fld>
             <a:endParaRPr lang="en-US" dirty="0"/>
           </a:p>
@@ -2216,7 +2216,7 @@
           <a:p>
             <a:fld id="{D1BE4249-C0D0-4B06-8692-E8BB871AF643}" type="datetimeFigureOut">
               <a:rPr lang="en-US" dirty="0"/>
-              <a:t>1/13/2024</a:t>
+              <a:t>1/15/2024</a:t>
             </a:fld>
             <a:endParaRPr lang="en-US" dirty="0"/>
           </a:p>
@@ -2568,7 +2568,7 @@
           <a:p>
             <a:fld id="{042B0DB6-F5C7-45FB-8CF3-31B45F9C2DAC}" type="datetimeFigureOut">
               <a:rPr lang="en-US" dirty="0"/>
-              <a:t>1/13/2024</a:t>
+              <a:t>1/15/2024</a:t>
             </a:fld>
             <a:endParaRPr lang="en-US" dirty="0"/>
           </a:p>
@@ -2805,7 +2805,7 @@
           <a:p>
             <a:fld id="{1160EA64-D806-43AC-9DF2-F8C432F32B4C}" type="datetimeFigureOut">
               <a:rPr lang="en-US" dirty="0"/>
-              <a:t>1/13/2024</a:t>
+              <a:t>1/15/2024</a:t>
             </a:fld>
             <a:endParaRPr lang="en-US" dirty="0"/>
           </a:p>
@@ -3772,41 +3772,209 @@
           </a:p>
         </p:txBody>
       </p:sp>
-      <p:sp>
-        <p:nvSpPr>
-          <p:cNvPr id="3" name="Content Placeholder 2">
-            <a:extLst>
-              <a:ext uri="{FF2B5EF4-FFF2-40B4-BE49-F238E27FC236}">
-                <a16:creationId xmlns:a16="http://schemas.microsoft.com/office/drawing/2014/main" id="{2236DDFC-DC98-4E26-8CA3-04C56ED95711}"/>
-              </a:ext>
-            </a:extLst>
-          </p:cNvPr>
-          <p:cNvSpPr>
-            <a:spLocks noGrp="1"/>
-          </p:cNvSpPr>
-          <p:nvPr>
-            <p:ph idx="1"/>
-          </p:nvPr>
-        </p:nvSpPr>
-        <p:spPr/>
-        <p:txBody>
-          <a:bodyPr/>
-          <a:lstStyle/>
-          <a:p>
-            <a:r>
-              <a:rPr lang="sr-Latn-RS" dirty="0"/>
-              <a:t>Isprobavanjem različitih parametara, zaključili smo da na to da li če put do krajnje tačke biti pronađen najviše utiče broj mrava, pa smo u testiranju koristili 1750 mrava.</a:t>
-            </a:r>
-          </a:p>
-          <a:p>
-            <a:r>
-              <a:rPr lang="sr-Latn-RS" dirty="0"/>
-              <a:t>tbd</a:t>
-            </a:r>
-            <a:endParaRPr lang="en-US" dirty="0"/>
-          </a:p>
-        </p:txBody>
-      </p:sp>
+      <mc:AlternateContent xmlns:mc="http://schemas.openxmlformats.org/markup-compatibility/2006">
+        <mc:Choice xmlns:a14="http://schemas.microsoft.com/office/drawing/2010/main" Requires="a14">
+          <p:sp>
+            <p:nvSpPr>
+              <p:cNvPr id="3" name="Content Placeholder 2">
+                <a:extLst>
+                  <a:ext uri="{FF2B5EF4-FFF2-40B4-BE49-F238E27FC236}">
+                    <a16:creationId xmlns:a16="http://schemas.microsoft.com/office/drawing/2014/main" id="{2236DDFC-DC98-4E26-8CA3-04C56ED95711}"/>
+                  </a:ext>
+                </a:extLst>
+              </p:cNvPr>
+              <p:cNvSpPr>
+                <a:spLocks noGrp="1"/>
+              </p:cNvSpPr>
+              <p:nvPr>
+                <p:ph idx="1"/>
+              </p:nvPr>
+            </p:nvSpPr>
+            <p:spPr>
+              <a:xfrm>
+                <a:off x="2231136" y="2638044"/>
+                <a:ext cx="7729728" cy="3377274"/>
+              </a:xfrm>
+            </p:spPr>
+            <p:txBody>
+              <a:bodyPr>
+                <a:normAutofit fontScale="92500" lnSpcReduction="10000"/>
+              </a:bodyPr>
+              <a:lstStyle/>
+              <a:p>
+                <a:r>
+                  <a:rPr lang="sr-Latn-RS" dirty="0"/>
+                  <a:t>Isprobavanjem različitih parametara, zaključili smo da na to da li če put do krajnje tačke biti pronađen najviše utiče broj mrava</a:t>
+                </a:r>
+                <a:r>
+                  <a:rPr lang="en-US" dirty="0"/>
+                  <a:t> </a:t>
+                </a:r>
+                <a:r>
+                  <a:rPr lang="sr-Latn-RS" dirty="0"/>
+                  <a:t>i iteracija, pa smo u testiranju koristili 1750 mrava u 175 iteracija.</a:t>
+                </a:r>
+                <a:endParaRPr lang="en-US" dirty="0"/>
+              </a:p>
+              <a:p>
+                <a:r>
+                  <a:rPr lang="sr-Latn-RS" dirty="0"/>
+                  <a:t>Najbolje rezultate smo dobili za sledeće vrednosti parametara:</a:t>
+                </a:r>
+              </a:p>
+              <a:p>
+                <a:r>
+                  <a:rPr lang="sr-Latn-RS" dirty="0"/>
+                  <a:t>m</a:t>
+                </a:r>
+                <a:r>
+                  <a:rPr lang="en-US" dirty="0"/>
+                  <a:t> = 1750</a:t>
+                </a:r>
+                <a:endParaRPr lang="sr-Latn-RS" dirty="0"/>
+              </a:p>
+              <a:p>
+                <a:r>
+                  <a:rPr lang="sr-Latn-RS" dirty="0"/>
+                  <a:t>broj iteracija</a:t>
+                </a:r>
+                <a:r>
+                  <a:rPr lang="en-US" dirty="0"/>
+                  <a:t> = 175</a:t>
+                </a:r>
+                <a:endParaRPr lang="sr-Latn-RS" dirty="0"/>
+              </a:p>
+              <a:p>
+                <a14:m>
+                  <m:oMath xmlns:m="http://schemas.openxmlformats.org/officeDocument/2006/math">
+                    <m:r>
+                      <a:rPr lang="en-US" i="1" smtClean="0">
+                        <a:latin typeface="Cambria Math" panose="02040503050406030204" pitchFamily="18" charset="0"/>
+                        <a:ea typeface="Cambria Math" panose="02040503050406030204" pitchFamily="18" charset="0"/>
+                      </a:rPr>
+                      <m:t>𝛼</m:t>
+                    </m:r>
+                  </m:oMath>
+                </a14:m>
+                <a:r>
+                  <a:rPr lang="sr-Latn-RS" dirty="0"/>
+                  <a:t> </a:t>
+                </a:r>
+                <a:r>
+                  <a:rPr lang="en-US" dirty="0"/>
+                  <a:t>=1</a:t>
+                </a:r>
+              </a:p>
+              <a:p>
+                <a14:m>
+                  <m:oMath xmlns:m="http://schemas.openxmlformats.org/officeDocument/2006/math">
+                    <m:r>
+                      <a:rPr lang="sr-Latn-RS" i="1" smtClean="0">
+                        <a:latin typeface="Cambria Math" panose="02040503050406030204" pitchFamily="18" charset="0"/>
+                        <a:ea typeface="Cambria Math" panose="02040503050406030204" pitchFamily="18" charset="0"/>
+                      </a:rPr>
+                      <m:t>𝛽</m:t>
+                    </m:r>
+                  </m:oMath>
+                </a14:m>
+                <a:r>
+                  <a:rPr lang="sr-Latn-RS" dirty="0"/>
+                  <a:t> </a:t>
+                </a:r>
+                <a:r>
+                  <a:rPr lang="en-US" dirty="0"/>
+                  <a:t>= 2</a:t>
+                </a:r>
+              </a:p>
+              <a:p>
+                <a14:m>
+                  <m:oMath xmlns:m="http://schemas.openxmlformats.org/officeDocument/2006/math">
+                    <m:r>
+                      <a:rPr lang="sr-Latn-RS" i="1" smtClean="0">
+                        <a:latin typeface="Cambria Math" panose="02040503050406030204" pitchFamily="18" charset="0"/>
+                        <a:ea typeface="Cambria Math" panose="02040503050406030204" pitchFamily="18" charset="0"/>
+                      </a:rPr>
+                      <m:t>𝜌</m:t>
+                    </m:r>
+                  </m:oMath>
+                </a14:m>
+                <a:r>
+                  <a:rPr lang="sr-Latn-RS" dirty="0"/>
+                  <a:t> </a:t>
+                </a:r>
+                <a:r>
+                  <a:rPr lang="en-US" dirty="0"/>
+                  <a:t>= 0,3</a:t>
+                </a:r>
+              </a:p>
+              <a:p>
+                <a14:m>
+                  <m:oMath xmlns:m="http://schemas.openxmlformats.org/officeDocument/2006/math">
+                    <m:r>
+                      <a:rPr lang="en-US" b="0" i="1" smtClean="0">
+                        <a:latin typeface="Cambria Math" panose="02040503050406030204" pitchFamily="18" charset="0"/>
+                      </a:rPr>
+                      <m:t>𝑞</m:t>
+                    </m:r>
+                  </m:oMath>
+                </a14:m>
+                <a:r>
+                  <a:rPr lang="en-US" dirty="0"/>
+                  <a:t> = 50</a:t>
+                </a:r>
+                <a:endParaRPr lang="sr-Latn-RS" dirty="0"/>
+              </a:p>
+              <a:p>
+                <a:pPr lvl="1"/>
+                <a:endParaRPr lang="sr-Latn-RS" dirty="0"/>
+              </a:p>
+            </p:txBody>
+          </p:sp>
+        </mc:Choice>
+        <mc:Fallback>
+          <p:sp>
+            <p:nvSpPr>
+              <p:cNvPr id="3" name="Content Placeholder 2">
+                <a:extLst>
+                  <a:ext uri="{FF2B5EF4-FFF2-40B4-BE49-F238E27FC236}">
+                    <a16:creationId xmlns:a16="http://schemas.microsoft.com/office/drawing/2014/main" id="{2236DDFC-DC98-4E26-8CA3-04C56ED95711}"/>
+                  </a:ext>
+                </a:extLst>
+              </p:cNvPr>
+              <p:cNvSpPr>
+                <a:spLocks noGrp="1" noRot="1" noChangeAspect="1" noMove="1" noResize="1" noEditPoints="1" noAdjustHandles="1" noChangeArrowheads="1" noChangeShapeType="1" noTextEdit="1"/>
+              </p:cNvSpPr>
+              <p:nvPr>
+                <p:ph idx="1"/>
+              </p:nvPr>
+            </p:nvSpPr>
+            <p:spPr>
+              <a:xfrm>
+                <a:off x="2231136" y="2638044"/>
+                <a:ext cx="7729728" cy="3377274"/>
+              </a:xfrm>
+              <a:blipFill>
+                <a:blip r:embed="rId2"/>
+                <a:stretch>
+                  <a:fillRect l="-394" t="-1444" b="-542"/>
+                </a:stretch>
+              </a:blipFill>
+            </p:spPr>
+            <p:txBody>
+              <a:bodyPr/>
+              <a:lstStyle/>
+              <a:p>
+                <a:r>
+                  <a:rPr lang="en-US">
+                    <a:noFill/>
+                  </a:rPr>
+                  <a:t> </a:t>
+                </a:r>
+              </a:p>
+            </p:txBody>
+          </p:sp>
+        </mc:Fallback>
+      </mc:AlternateContent>
     </p:spTree>
     <p:extLst>
       <p:ext uri="{BB962C8B-B14F-4D97-AF65-F5344CB8AC3E}">

--- a/Problem najkraćeg puta, ant colony optimization.pptx
+++ b/Problem najkraćeg puta, ant colony optimization.pptx
@@ -286,7 +286,7 @@
           <a:p>
             <a:fld id="{1160EA64-D806-43AC-9DF2-F8C432F32B4C}" type="datetimeFigureOut">
               <a:rPr lang="en-US" dirty="0"/>
-              <a:t>1/15/2024</a:t>
+              <a:t>1/18/2024</a:t>
             </a:fld>
             <a:endParaRPr lang="en-US" dirty="0"/>
           </a:p>
@@ -452,7 +452,7 @@
           <a:p>
             <a:fld id="{E9F9C37B-1D36-470B-8223-D6C91242EC14}" type="datetimeFigureOut">
               <a:rPr lang="en-US" dirty="0"/>
-              <a:t>1/15/2024</a:t>
+              <a:t>1/18/2024</a:t>
             </a:fld>
             <a:endParaRPr lang="en-US" dirty="0"/>
           </a:p>
@@ -627,7 +627,7 @@
           <a:p>
             <a:fld id="{67C6F52A-A82B-47A2-A83A-8C4C91F2D59F}" type="datetimeFigureOut">
               <a:rPr lang="en-US" dirty="0"/>
-              <a:t>1/15/2024</a:t>
+              <a:t>1/18/2024</a:t>
             </a:fld>
             <a:endParaRPr lang="en-US" dirty="0"/>
           </a:p>
@@ -792,7 +792,7 @@
           <a:p>
             <a:fld id="{F070A7B3-6521-4DCA-87E5-044747A908C1}" type="datetimeFigureOut">
               <a:rPr lang="en-US" dirty="0"/>
-              <a:t>1/15/2024</a:t>
+              <a:t>1/18/2024</a:t>
             </a:fld>
             <a:endParaRPr lang="en-US" dirty="0"/>
           </a:p>
@@ -1056,7 +1056,7 @@
           <a:p>
             <a:fld id="{1160EA64-D806-43AC-9DF2-F8C432F32B4C}" type="datetimeFigureOut">
               <a:rPr lang="en-US" dirty="0"/>
-              <a:t>1/15/2024</a:t>
+              <a:t>1/18/2024</a:t>
             </a:fld>
             <a:endParaRPr lang="en-US" dirty="0"/>
           </a:p>
@@ -1284,7 +1284,7 @@
           <a:p>
             <a:fld id="{AB134690-1557-4C89-A502-4959FE7FAD70}" type="datetimeFigureOut">
               <a:rPr lang="en-US" dirty="0"/>
-              <a:t>1/15/2024</a:t>
+              <a:t>1/18/2024</a:t>
             </a:fld>
             <a:endParaRPr lang="en-US" dirty="0"/>
           </a:p>
@@ -1638,7 +1638,7 @@
           <a:p>
             <a:fld id="{4F7D4976-E339-4826-83B7-FBD03F55ECF8}" type="datetimeFigureOut">
               <a:rPr lang="en-US" dirty="0"/>
-              <a:t>1/15/2024</a:t>
+              <a:t>1/18/2024</a:t>
             </a:fld>
             <a:endParaRPr lang="en-US" dirty="0"/>
           </a:p>
@@ -1774,7 +1774,7 @@
           <a:p>
             <a:fld id="{E1037C31-9E7A-4F99-8774-A0E530DE1A42}" type="datetimeFigureOut">
               <a:rPr lang="en-US" dirty="0"/>
-              <a:t>1/15/2024</a:t>
+              <a:t>1/18/2024</a:t>
             </a:fld>
             <a:endParaRPr lang="en-US" dirty="0"/>
           </a:p>
@@ -1864,7 +1864,7 @@
           <a:p>
             <a:fld id="{C278504F-A551-4DE0-9316-4DCD1D8CC752}" type="datetimeFigureOut">
               <a:rPr lang="en-US" dirty="0"/>
-              <a:t>1/15/2024</a:t>
+              <a:t>1/18/2024</a:t>
             </a:fld>
             <a:endParaRPr lang="en-US" dirty="0"/>
           </a:p>
@@ -2216,7 +2216,7 @@
           <a:p>
             <a:fld id="{D1BE4249-C0D0-4B06-8692-E8BB871AF643}" type="datetimeFigureOut">
               <a:rPr lang="en-US" dirty="0"/>
-              <a:t>1/15/2024</a:t>
+              <a:t>1/18/2024</a:t>
             </a:fld>
             <a:endParaRPr lang="en-US" dirty="0"/>
           </a:p>
@@ -2568,7 +2568,7 @@
           <a:p>
             <a:fld id="{042B0DB6-F5C7-45FB-8CF3-31B45F9C2DAC}" type="datetimeFigureOut">
               <a:rPr lang="en-US" dirty="0"/>
-              <a:t>1/15/2024</a:t>
+              <a:t>1/18/2024</a:t>
             </a:fld>
             <a:endParaRPr lang="en-US" dirty="0"/>
           </a:p>
@@ -2805,7 +2805,7 @@
           <a:p>
             <a:fld id="{1160EA64-D806-43AC-9DF2-F8C432F32B4C}" type="datetimeFigureOut">
               <a:rPr lang="en-US" dirty="0"/>
-              <a:t>1/15/2024</a:t>
+              <a:t>1/18/2024</a:t>
             </a:fld>
             <a:endParaRPr lang="en-US" dirty="0"/>
           </a:p>
@@ -3277,7 +3277,14 @@
           <a:p>
             <a:r>
               <a:rPr lang="sr-Latn-RS" dirty="0"/>
-              <a:t>Problem najkraćeg puta, ant colony optimization</a:t>
+              <a:t>Problem najkraćeg puta</a:t>
+            </a:r>
+            <a:br>
+              <a:rPr lang="en-US" dirty="0"/>
+            </a:br>
+            <a:r>
+              <a:rPr lang="sr-Latn-RS" dirty="0"/>
+              <a:t>ant colony optimization</a:t>
             </a:r>
             <a:endParaRPr lang="en-US" dirty="0"/>
           </a:p>
@@ -3829,9 +3836,20 @@
                 </a:r>
                 <a:r>
                   <a:rPr lang="en-US" dirty="0"/>
-                  <a:t> = 1750</a:t>
-                </a:r>
-                <a:endParaRPr lang="sr-Latn-RS" dirty="0"/>
+                  <a:t> = </a:t>
+                </a:r>
+                <a:r>
+                  <a:rPr lang="sr-Latn-RS" dirty="0"/>
+                  <a:t>2</a:t>
+                </a:r>
+                <a:r>
+                  <a:rPr lang="en-US" dirty="0"/>
+                  <a:t>50</a:t>
+                </a:r>
+                <a:r>
+                  <a:rPr lang="sr-Latn-RS" dirty="0"/>
+                  <a:t>0</a:t>
+                </a:r>
               </a:p>
               <a:p>
                 <a:r>
@@ -3840,7 +3858,15 @@
                 </a:r>
                 <a:r>
                   <a:rPr lang="en-US" dirty="0"/>
-                  <a:t> = 175</a:t>
+                  <a:t> = 1</a:t>
+                </a:r>
+                <a:r>
+                  <a:rPr lang="sr-Latn-RS" dirty="0"/>
+                  <a:t>2</a:t>
+                </a:r>
+                <a:r>
+                  <a:rPr lang="en-US" dirty="0"/>
+                  <a:t>5</a:t>
                 </a:r>
                 <a:endParaRPr lang="sr-Latn-RS" dirty="0"/>
               </a:p>
@@ -3920,9 +3946,12 @@
                 </a14:m>
                 <a:r>
                   <a:rPr lang="en-US" dirty="0"/>
-                  <a:t> = 50</a:t>
-                </a:r>
-                <a:endParaRPr lang="sr-Latn-RS" dirty="0"/>
+                  <a:t> = </a:t>
+                </a:r>
+                <a:r>
+                  <a:rPr lang="sr-Latn-RS" dirty="0"/>
+                  <a:t>0,02</a:t>
+                </a:r>
               </a:p>
               <a:p>
                 <a:pPr lvl="1"/>
@@ -5196,8 +5225,8 @@
           </a:p>
         </p:txBody>
       </p:sp>
-      <mc:AlternateContent xmlns:mc="http://schemas.openxmlformats.org/markup-compatibility/2006" xmlns:a14="http://schemas.microsoft.com/office/drawing/2010/main">
-        <mc:Choice Requires="a14">
+      <mc:AlternateContent xmlns:mc="http://schemas.openxmlformats.org/markup-compatibility/2006">
+        <mc:Choice xmlns:a14="http://schemas.microsoft.com/office/drawing/2010/main" Requires="a14">
           <p:sp>
             <p:nvSpPr>
               <p:cNvPr id="3" name="Content Placeholder 2">
@@ -5442,7 +5471,15 @@
                 </a14:m>
                 <a:r>
                   <a:rPr lang="sr-Latn-RS" dirty="0"/>
-                  <a:t> - dužina grane (i,j)</a:t>
+                  <a:t> -</a:t>
+                </a:r>
+                <a:r>
+                  <a:rPr lang="en-US" dirty="0"/>
+                  <a:t> </a:t>
+                </a:r>
+                <a:r>
+                  <a:rPr lang="sr-Latn-RS" dirty="0"/>
+                  <a:t>recipročna vrednost dužine grane (i,j)</a:t>
                 </a:r>
               </a:p>
               <a:p>
@@ -5454,7 +5491,7 @@
             </p:txBody>
           </p:sp>
         </mc:Choice>
-        <mc:Fallback xmlns="">
+        <mc:Fallback>
           <p:sp>
             <p:nvSpPr>
               <p:cNvPr id="3" name="Content Placeholder 2">
@@ -5473,7 +5510,7 @@
             </p:nvSpPr>
             <p:spPr>
               <a:blipFill>
-                <a:blip r:embed="rId3"/>
+                <a:blip r:embed="rId2"/>
                 <a:stretch>
                   <a:fillRect l="-473" t="-1179"/>
                 </a:stretch>
@@ -5553,8 +5590,8 @@
           </a:p>
         </p:txBody>
       </p:sp>
-      <mc:AlternateContent xmlns:mc="http://schemas.openxmlformats.org/markup-compatibility/2006" xmlns:a14="http://schemas.microsoft.com/office/drawing/2010/main">
-        <mc:Choice Requires="a14">
+      <mc:AlternateContent xmlns:mc="http://schemas.openxmlformats.org/markup-compatibility/2006">
+        <mc:Choice xmlns:a14="http://schemas.microsoft.com/office/drawing/2010/main" Requires="a14">
           <p:sp>
             <p:nvSpPr>
               <p:cNvPr id="3" name="Content Placeholder 2">
@@ -5816,7 +5853,7 @@
                 </a14:m>
                 <a:r>
                   <a:rPr lang="sr-Latn-RS" sz="1800" dirty="0"/>
-                  <a:t> – količina feromona koja se ostavlja na najdužem putu</a:t>
+                  <a:t> – količina feromona koja se ostavlja na najkraćem putu</a:t>
                 </a:r>
               </a:p>
               <a:p>
@@ -5828,7 +5865,7 @@
             </p:txBody>
           </p:sp>
         </mc:Choice>
-        <mc:Fallback xmlns="">
+        <mc:Fallback>
           <p:sp>
             <p:nvSpPr>
               <p:cNvPr id="3" name="Content Placeholder 2">

--- a/Problem najkraćeg puta, ant colony optimization.pptx
+++ b/Problem najkraćeg puta, ant colony optimization.pptx
@@ -286,7 +286,7 @@
           <a:p>
             <a:fld id="{1160EA64-D806-43AC-9DF2-F8C432F32B4C}" type="datetimeFigureOut">
               <a:rPr lang="en-US" dirty="0"/>
-              <a:t>1/18/2024</a:t>
+              <a:t>1/19/2024</a:t>
             </a:fld>
             <a:endParaRPr lang="en-US" dirty="0"/>
           </a:p>
@@ -452,7 +452,7 @@
           <a:p>
             <a:fld id="{E9F9C37B-1D36-470B-8223-D6C91242EC14}" type="datetimeFigureOut">
               <a:rPr lang="en-US" dirty="0"/>
-              <a:t>1/18/2024</a:t>
+              <a:t>1/19/2024</a:t>
             </a:fld>
             <a:endParaRPr lang="en-US" dirty="0"/>
           </a:p>
@@ -627,7 +627,7 @@
           <a:p>
             <a:fld id="{67C6F52A-A82B-47A2-A83A-8C4C91F2D59F}" type="datetimeFigureOut">
               <a:rPr lang="en-US" dirty="0"/>
-              <a:t>1/18/2024</a:t>
+              <a:t>1/19/2024</a:t>
             </a:fld>
             <a:endParaRPr lang="en-US" dirty="0"/>
           </a:p>
@@ -792,7 +792,7 @@
           <a:p>
             <a:fld id="{F070A7B3-6521-4DCA-87E5-044747A908C1}" type="datetimeFigureOut">
               <a:rPr lang="en-US" dirty="0"/>
-              <a:t>1/18/2024</a:t>
+              <a:t>1/19/2024</a:t>
             </a:fld>
             <a:endParaRPr lang="en-US" dirty="0"/>
           </a:p>
@@ -1056,7 +1056,7 @@
           <a:p>
             <a:fld id="{1160EA64-D806-43AC-9DF2-F8C432F32B4C}" type="datetimeFigureOut">
               <a:rPr lang="en-US" dirty="0"/>
-              <a:t>1/18/2024</a:t>
+              <a:t>1/19/2024</a:t>
             </a:fld>
             <a:endParaRPr lang="en-US" dirty="0"/>
           </a:p>
@@ -1284,7 +1284,7 @@
           <a:p>
             <a:fld id="{AB134690-1557-4C89-A502-4959FE7FAD70}" type="datetimeFigureOut">
               <a:rPr lang="en-US" dirty="0"/>
-              <a:t>1/18/2024</a:t>
+              <a:t>1/19/2024</a:t>
             </a:fld>
             <a:endParaRPr lang="en-US" dirty="0"/>
           </a:p>
@@ -1638,7 +1638,7 @@
           <a:p>
             <a:fld id="{4F7D4976-E339-4826-83B7-FBD03F55ECF8}" type="datetimeFigureOut">
               <a:rPr lang="en-US" dirty="0"/>
-              <a:t>1/18/2024</a:t>
+              <a:t>1/19/2024</a:t>
             </a:fld>
             <a:endParaRPr lang="en-US" dirty="0"/>
           </a:p>
@@ -1774,7 +1774,7 @@
           <a:p>
             <a:fld id="{E1037C31-9E7A-4F99-8774-A0E530DE1A42}" type="datetimeFigureOut">
               <a:rPr lang="en-US" dirty="0"/>
-              <a:t>1/18/2024</a:t>
+              <a:t>1/19/2024</a:t>
             </a:fld>
             <a:endParaRPr lang="en-US" dirty="0"/>
           </a:p>
@@ -1864,7 +1864,7 @@
           <a:p>
             <a:fld id="{C278504F-A551-4DE0-9316-4DCD1D8CC752}" type="datetimeFigureOut">
               <a:rPr lang="en-US" dirty="0"/>
-              <a:t>1/18/2024</a:t>
+              <a:t>1/19/2024</a:t>
             </a:fld>
             <a:endParaRPr lang="en-US" dirty="0"/>
           </a:p>
@@ -2216,7 +2216,7 @@
           <a:p>
             <a:fld id="{D1BE4249-C0D0-4B06-8692-E8BB871AF643}" type="datetimeFigureOut">
               <a:rPr lang="en-US" dirty="0"/>
-              <a:t>1/18/2024</a:t>
+              <a:t>1/19/2024</a:t>
             </a:fld>
             <a:endParaRPr lang="en-US" dirty="0"/>
           </a:p>
@@ -2568,7 +2568,7 @@
           <a:p>
             <a:fld id="{042B0DB6-F5C7-45FB-8CF3-31B45F9C2DAC}" type="datetimeFigureOut">
               <a:rPr lang="en-US" dirty="0"/>
-              <a:t>1/18/2024</a:t>
+              <a:t>1/19/2024</a:t>
             </a:fld>
             <a:endParaRPr lang="en-US" dirty="0"/>
           </a:p>
@@ -2805,7 +2805,7 @@
           <a:p>
             <a:fld id="{1160EA64-D806-43AC-9DF2-F8C432F32B4C}" type="datetimeFigureOut">
               <a:rPr lang="en-US" dirty="0"/>
-              <a:t>1/18/2024</a:t>
+              <a:t>1/19/2024</a:t>
             </a:fld>
             <a:endParaRPr lang="en-US" dirty="0"/>
           </a:p>
@@ -3819,7 +3819,23 @@
                 </a:r>
                 <a:r>
                   <a:rPr lang="sr-Latn-RS" dirty="0"/>
-                  <a:t>i iteracija, pa smo u testiranju koristili 1750 mrava u 175 iteracija.</a:t>
+                  <a:t>i iteracija, pa smo u testiranju koristili </a:t>
+                </a:r>
+                <a:r>
+                  <a:rPr lang="en-US" dirty="0"/>
+                  <a:t>2500</a:t>
+                </a:r>
+                <a:r>
+                  <a:rPr lang="sr-Latn-RS" dirty="0"/>
+                  <a:t> mrava u 1</a:t>
+                </a:r>
+                <a:r>
+                  <a:rPr lang="en-US" dirty="0"/>
+                  <a:t>2</a:t>
+                </a:r>
+                <a:r>
+                  <a:rPr lang="sr-Latn-RS" dirty="0"/>
+                  <a:t>5 iteracija.</a:t>
                 </a:r>
                 <a:endParaRPr lang="en-US" dirty="0"/>
               </a:p>
@@ -5225,8 +5241,8 @@
           </a:p>
         </p:txBody>
       </p:sp>
-      <mc:AlternateContent xmlns:mc="http://schemas.openxmlformats.org/markup-compatibility/2006">
-        <mc:Choice xmlns:a14="http://schemas.microsoft.com/office/drawing/2010/main" Requires="a14">
+      <mc:AlternateContent xmlns:mc="http://schemas.openxmlformats.org/markup-compatibility/2006" xmlns:a14="http://schemas.microsoft.com/office/drawing/2010/main">
+        <mc:Choice Requires="a14">
           <p:sp>
             <p:nvSpPr>
               <p:cNvPr id="3" name="Content Placeholder 2">
@@ -5491,7 +5507,7 @@
             </p:txBody>
           </p:sp>
         </mc:Choice>
-        <mc:Fallback>
+        <mc:Fallback xmlns="">
           <p:sp>
             <p:nvSpPr>
               <p:cNvPr id="3" name="Content Placeholder 2">
@@ -5590,8 +5606,8 @@
           </a:p>
         </p:txBody>
       </p:sp>
-      <mc:AlternateContent xmlns:mc="http://schemas.openxmlformats.org/markup-compatibility/2006">
-        <mc:Choice xmlns:a14="http://schemas.microsoft.com/office/drawing/2010/main" Requires="a14">
+      <mc:AlternateContent xmlns:mc="http://schemas.openxmlformats.org/markup-compatibility/2006" xmlns:a14="http://schemas.microsoft.com/office/drawing/2010/main">
+        <mc:Choice Requires="a14">
           <p:sp>
             <p:nvSpPr>
               <p:cNvPr id="3" name="Content Placeholder 2">
@@ -5865,7 +5881,7 @@
             </p:txBody>
           </p:sp>
         </mc:Choice>
-        <mc:Fallback>
+        <mc:Fallback xmlns="">
           <p:sp>
             <p:nvSpPr>
               <p:cNvPr id="3" name="Content Placeholder 2">
